--- a/Presentazione/Cold storage service.pptx
+++ b/Presentazione/Cold storage service.pptx
@@ -12,9 +12,9 @@
     <p:sldId id="265" r:id="rId3"/>
     <p:sldId id="257" r:id="rId4"/>
     <p:sldId id="260" r:id="rId5"/>
-    <p:sldId id="266" r:id="rId6"/>
-    <p:sldId id="258" r:id="rId7"/>
-    <p:sldId id="262" r:id="rId8"/>
+    <p:sldId id="258" r:id="rId6"/>
+    <p:sldId id="262" r:id="rId7"/>
+    <p:sldId id="267" r:id="rId8"/>
     <p:sldId id="263" r:id="rId9"/>
   </p:sldIdLst>
   <p:sldSz cx="12192000" cy="6858000"/>
@@ -433,7 +433,7 @@
           </a:lstStyle>
           <a:p>
             <a:fld id="{203FAE7B-66AC-4B6D-9865-AEFBCB0771F1}" type="datetimeFigureOut">
-              <a:t>03/06/2024</a:t>
+              <a:t>07/06/2024</a:t>
             </a:fld>
             <a:endParaRPr lang="en-US"/>
           </a:p>
@@ -743,12 +743,9 @@
           <a:bodyPr/>
           <a:lstStyle/>
           <a:p>
-            <a:r>
-              <a:rPr lang="en-US">
-                <a:cs typeface="Calibri"/>
-              </a:rPr>
-              <a:t>ciao</a:t>
-            </a:r>
+            <a:endParaRPr lang="en-US" dirty="0">
+              <a:cs typeface="Calibri"/>
+            </a:endParaRPr>
           </a:p>
         </p:txBody>
       </p:sp>
@@ -1640,14 +1637,283 @@
           <a:lstStyle/>
           <a:p>
             <a:r>
+              <a:rPr lang="en-US" err="1">
+                <a:cs typeface="Calibri"/>
+              </a:rPr>
+              <a:t>Realizzazione</a:t>
+            </a:r>
+            <a:r>
               <a:rPr lang="en-US">
                 <a:cs typeface="Calibri"/>
               </a:rPr>
-              <a:t>Test per verificare che l'azone di deposito venga effettuata correttamente: </a:t>
-            </a:r>
-            <a:endParaRPr lang="en-US"/>
-          </a:p>
-          <a:p>
+              <a:t> </a:t>
+            </a:r>
+            <a:r>
+              <a:rPr lang="en-US" err="1">
+                <a:cs typeface="Calibri"/>
+              </a:rPr>
+              <a:t>della</a:t>
+            </a:r>
+            <a:r>
+              <a:rPr lang="en-US">
+                <a:cs typeface="Calibri"/>
+              </a:rPr>
+              <a:t> </a:t>
+            </a:r>
+            <a:r>
+              <a:rPr lang="en-US" err="1">
+                <a:cs typeface="Calibri"/>
+              </a:rPr>
+              <a:t>interfaccia</a:t>
+            </a:r>
+            <a:r>
+              <a:rPr lang="en-US">
+                <a:cs typeface="Calibri"/>
+              </a:rPr>
+              <a:t> </a:t>
+            </a:r>
+            <a:r>
+              <a:rPr lang="en-US" err="1">
+                <a:cs typeface="Calibri"/>
+              </a:rPr>
+              <a:t>grafica</a:t>
+            </a:r>
+            <a:r>
+              <a:rPr lang="en-US">
+                <a:cs typeface="Calibri"/>
+              </a:rPr>
+              <a:t> (non piu </a:t>
+            </a:r>
+            <a:r>
+              <a:rPr lang="en-US" err="1">
+                <a:cs typeface="Calibri"/>
+              </a:rPr>
+              <a:t>simulata</a:t>
+            </a:r>
+            <a:r>
+              <a:rPr lang="en-US">
+                <a:cs typeface="Calibri"/>
+              </a:rPr>
+              <a:t>);</a:t>
+            </a:r>
+          </a:p>
+          <a:p>
+            <a:r>
+              <a:rPr lang="en-US">
+                <a:cs typeface="Calibri"/>
+              </a:rPr>
+              <a:t>SPRING MVC (</a:t>
+            </a:r>
+            <a:r>
+              <a:rPr lang="en-US" err="1">
+                <a:cs typeface="Calibri"/>
+              </a:rPr>
+              <a:t>motivazione</a:t>
+            </a:r>
+            <a:r>
+              <a:rPr lang="en-US">
+                <a:cs typeface="Calibri"/>
+              </a:rPr>
+              <a:t> </a:t>
+            </a:r>
+            <a:r>
+              <a:rPr lang="en-US" err="1">
+                <a:cs typeface="Calibri"/>
+              </a:rPr>
+              <a:t>scelta</a:t>
+            </a:r>
+            <a:r>
+              <a:rPr lang="en-US">
+                <a:cs typeface="Calibri"/>
+              </a:rPr>
+              <a:t>: web  </a:t>
+            </a:r>
+            <a:r>
+              <a:rPr lang="en-US" err="1">
+                <a:cs typeface="Calibri"/>
+              </a:rPr>
+              <a:t>broser</a:t>
+            </a:r>
+            <a:r>
+              <a:rPr lang="en-US">
+                <a:cs typeface="Calibri"/>
+              </a:rPr>
+              <a:t>)</a:t>
+            </a:r>
+          </a:p>
+          <a:p>
+            <a:r>
+              <a:rPr lang="en-US">
+                <a:cs typeface="Calibri"/>
+              </a:rPr>
+              <a:t>Tipo di </a:t>
+            </a:r>
+            <a:r>
+              <a:rPr lang="en-US" err="1">
+                <a:cs typeface="Calibri"/>
+              </a:rPr>
+              <a:t>comunicazione</a:t>
+            </a:r>
+            <a:r>
+              <a:rPr lang="en-US">
+                <a:cs typeface="Calibri"/>
+              </a:rPr>
+              <a:t> </a:t>
+            </a:r>
+            <a:r>
+              <a:rPr lang="en-US" err="1">
+                <a:cs typeface="Calibri"/>
+              </a:rPr>
+              <a:t>tra</a:t>
+            </a:r>
+            <a:r>
+              <a:rPr lang="en-US">
+                <a:cs typeface="Calibri"/>
+              </a:rPr>
+              <a:t> client e server di spring &amp; server spring con </a:t>
+            </a:r>
+            <a:r>
+              <a:rPr lang="en-US" err="1">
+                <a:cs typeface="Calibri"/>
+              </a:rPr>
+              <a:t>coldstorage</a:t>
+            </a:r>
+            <a:r>
+              <a:rPr lang="en-US">
+                <a:cs typeface="Calibri"/>
+              </a:rPr>
+              <a:t> (facade) (COAP per </a:t>
+            </a:r>
+            <a:r>
+              <a:rPr lang="en-US" err="1">
+                <a:cs typeface="Calibri"/>
+              </a:rPr>
+              <a:t>coap</a:t>
+            </a:r>
+            <a:r>
+              <a:rPr lang="en-US">
+                <a:cs typeface="Calibri"/>
+              </a:rPr>
+              <a:t> </a:t>
+            </a:r>
+            <a:r>
+              <a:rPr lang="en-US" err="1">
+                <a:cs typeface="Calibri"/>
+              </a:rPr>
+              <a:t>obeserver</a:t>
+            </a:r>
+            <a:r>
+              <a:rPr lang="en-US">
+                <a:cs typeface="Calibri"/>
+              </a:rPr>
+              <a:t> per </a:t>
+            </a:r>
+            <a:r>
+              <a:rPr lang="en-US" err="1">
+                <a:cs typeface="Calibri"/>
+              </a:rPr>
+              <a:t>aggiornamaneti</a:t>
+            </a:r>
+            <a:r>
+              <a:rPr lang="en-US">
+                <a:cs typeface="Calibri"/>
+              </a:rPr>
+              <a:t> </a:t>
+            </a:r>
+            <a:r>
+              <a:rPr lang="en-US" err="1">
+                <a:cs typeface="Calibri"/>
+              </a:rPr>
+              <a:t>pesi</a:t>
+            </a:r>
+            <a:r>
+              <a:rPr lang="en-US">
+                <a:cs typeface="Calibri"/>
+              </a:rPr>
+              <a:t>  trigger </a:t>
+            </a:r>
+            <a:r>
+              <a:rPr lang="en-US" err="1">
+                <a:cs typeface="Calibri"/>
+              </a:rPr>
+              <a:t>della</a:t>
+            </a:r>
+            <a:r>
+              <a:rPr lang="en-US">
+                <a:cs typeface="Calibri"/>
+              </a:rPr>
+              <a:t> </a:t>
+            </a:r>
+            <a:r>
+              <a:rPr lang="en-US" err="1">
+                <a:cs typeface="Calibri"/>
+              </a:rPr>
+              <a:t>updateresource</a:t>
+            </a:r>
+            <a:r>
+              <a:rPr lang="en-US">
+                <a:cs typeface="Calibri"/>
+              </a:rPr>
+              <a:t>; TCP per lo </a:t>
+            </a:r>
+            <a:r>
+              <a:rPr lang="en-US" err="1">
+                <a:cs typeface="Calibri"/>
+              </a:rPr>
+              <a:t>scambio</a:t>
+            </a:r>
+            <a:r>
+              <a:rPr lang="en-US">
+                <a:cs typeface="Calibri"/>
+              </a:rPr>
+              <a:t> di </a:t>
+            </a:r>
+            <a:r>
+              <a:rPr lang="en-US" err="1">
+                <a:cs typeface="Calibri"/>
+              </a:rPr>
+              <a:t>messaggi</a:t>
+            </a:r>
+            <a:r>
+              <a:rPr lang="en-US">
+                <a:cs typeface="Calibri"/>
+              </a:rPr>
+              <a:t>)</a:t>
+            </a:r>
+          </a:p>
+          <a:p>
+            <a:r>
+              <a:rPr lang="en-US" err="1"/>
+              <a:t>Adattamento</a:t>
+            </a:r>
+            <a:r>
+              <a:rPr lang="en-US"/>
+              <a:t> </a:t>
+            </a:r>
+            <a:r>
+              <a:rPr lang="en-US" err="1"/>
+              <a:t>struttura</a:t>
+            </a:r>
+            <a:r>
+              <a:rPr lang="en-US"/>
+              <a:t> </a:t>
+            </a:r>
+            <a:r>
+              <a:rPr lang="en-US" err="1"/>
+              <a:t>messaggi</a:t>
+            </a:r>
+            <a:r>
+              <a:rPr lang="en-US"/>
+              <a:t> (spring -.</a:t>
+            </a:r>
+            <a:r>
+              <a:rPr lang="en-US" err="1"/>
+              <a:t>qak</a:t>
+            </a:r>
+            <a:r>
+              <a:rPr lang="en-US"/>
+              <a:t>)</a:t>
+            </a:r>
             <a:endParaRPr lang="en-US">
               <a:cs typeface="Calibri"/>
             </a:endParaRPr>
@@ -1657,8 +1923,19 @@
               <a:rPr lang="en-US">
                 <a:cs typeface="Calibri"/>
               </a:rPr>
-              <a:t> </a:t>
-            </a:r>
+              <a:t>3 tipi di label e </a:t>
+            </a:r>
+            <a:r>
+              <a:rPr lang="en-US" err="1">
+                <a:cs typeface="Calibri"/>
+              </a:rPr>
+              <a:t>motivazioni</a:t>
+            </a:r>
+          </a:p>
+          <a:p>
+            <a:endParaRPr lang="en-US">
+              <a:cs typeface="Calibri"/>
+            </a:endParaRPr>
           </a:p>
         </p:txBody>
       </p:sp>
@@ -1687,7 +1964,7 @@
     </p:spTree>
     <p:extLst>
       <p:ext uri="{BB962C8B-B14F-4D97-AF65-F5344CB8AC3E}">
-        <p14:creationId xmlns:p14="http://schemas.microsoft.com/office/powerpoint/2010/main" val="4090021774"/>
+        <p14:creationId xmlns:p14="http://schemas.microsoft.com/office/powerpoint/2010/main" val="1530802863"/>
       </p:ext>
     </p:extLst>
   </p:cSld>
@@ -1698,388 +1975,6 @@
 </file>
 
 <file path=ppt/notesSlides/notesSlide6.xml><?xml version="1.0" encoding="utf-8"?>
-<p:notes xmlns:a="http://schemas.openxmlformats.org/drawingml/2006/main" xmlns:r="http://schemas.openxmlformats.org/officeDocument/2006/relationships" xmlns:p="http://schemas.openxmlformats.org/presentationml/2006/main">
-  <p:cSld>
-    <p:spTree>
-      <p:nvGrpSpPr>
-        <p:cNvPr id="1" name=""/>
-        <p:cNvGrpSpPr/>
-        <p:nvPr/>
-      </p:nvGrpSpPr>
-      <p:grpSpPr>
-        <a:xfrm>
-          <a:off x="0" y="0"/>
-          <a:ext cx="0" cy="0"/>
-          <a:chOff x="0" y="0"/>
-          <a:chExt cx="0" cy="0"/>
-        </a:xfrm>
-      </p:grpSpPr>
-      <p:sp>
-        <p:nvSpPr>
-          <p:cNvPr id="2" name="Slide Image Placeholder 1"/>
-          <p:cNvSpPr>
-            <a:spLocks noGrp="1" noRot="1" noChangeAspect="1"/>
-          </p:cNvSpPr>
-          <p:nvPr>
-            <p:ph type="sldImg"/>
-          </p:nvPr>
-        </p:nvSpPr>
-        <p:spPr/>
-      </p:sp>
-      <p:sp>
-        <p:nvSpPr>
-          <p:cNvPr id="3" name="Notes Placeholder 2"/>
-          <p:cNvSpPr>
-            <a:spLocks noGrp="1"/>
-          </p:cNvSpPr>
-          <p:nvPr>
-            <p:ph type="body" idx="1"/>
-          </p:nvPr>
-        </p:nvSpPr>
-        <p:spPr/>
-        <p:txBody>
-          <a:bodyPr/>
-          <a:lstStyle/>
-          <a:p>
-            <a:r>
-              <a:rPr lang="en-US" err="1">
-                <a:cs typeface="Calibri"/>
-              </a:rPr>
-              <a:t>Realizzazione</a:t>
-            </a:r>
-            <a:r>
-              <a:rPr lang="en-US">
-                <a:cs typeface="Calibri"/>
-              </a:rPr>
-              <a:t> </a:t>
-            </a:r>
-            <a:r>
-              <a:rPr lang="en-US" err="1">
-                <a:cs typeface="Calibri"/>
-              </a:rPr>
-              <a:t>della</a:t>
-            </a:r>
-            <a:r>
-              <a:rPr lang="en-US">
-                <a:cs typeface="Calibri"/>
-              </a:rPr>
-              <a:t> </a:t>
-            </a:r>
-            <a:r>
-              <a:rPr lang="en-US" err="1">
-                <a:cs typeface="Calibri"/>
-              </a:rPr>
-              <a:t>interfaccia</a:t>
-            </a:r>
-            <a:r>
-              <a:rPr lang="en-US">
-                <a:cs typeface="Calibri"/>
-              </a:rPr>
-              <a:t> </a:t>
-            </a:r>
-            <a:r>
-              <a:rPr lang="en-US" err="1">
-                <a:cs typeface="Calibri"/>
-              </a:rPr>
-              <a:t>grafica</a:t>
-            </a:r>
-            <a:r>
-              <a:rPr lang="en-US">
-                <a:cs typeface="Calibri"/>
-              </a:rPr>
-              <a:t> (non piu </a:t>
-            </a:r>
-            <a:r>
-              <a:rPr lang="en-US" err="1">
-                <a:cs typeface="Calibri"/>
-              </a:rPr>
-              <a:t>simulata</a:t>
-            </a:r>
-            <a:r>
-              <a:rPr lang="en-US">
-                <a:cs typeface="Calibri"/>
-              </a:rPr>
-              <a:t>);</a:t>
-            </a:r>
-          </a:p>
-          <a:p>
-            <a:r>
-              <a:rPr lang="en-US">
-                <a:cs typeface="Calibri"/>
-              </a:rPr>
-              <a:t>SPRING MVC (</a:t>
-            </a:r>
-            <a:r>
-              <a:rPr lang="en-US" err="1">
-                <a:cs typeface="Calibri"/>
-              </a:rPr>
-              <a:t>motivazione</a:t>
-            </a:r>
-            <a:r>
-              <a:rPr lang="en-US">
-                <a:cs typeface="Calibri"/>
-              </a:rPr>
-              <a:t> </a:t>
-            </a:r>
-            <a:r>
-              <a:rPr lang="en-US" err="1">
-                <a:cs typeface="Calibri"/>
-              </a:rPr>
-              <a:t>scelta</a:t>
-            </a:r>
-            <a:r>
-              <a:rPr lang="en-US">
-                <a:cs typeface="Calibri"/>
-              </a:rPr>
-              <a:t>: web  </a:t>
-            </a:r>
-            <a:r>
-              <a:rPr lang="en-US" err="1">
-                <a:cs typeface="Calibri"/>
-              </a:rPr>
-              <a:t>broser</a:t>
-            </a:r>
-            <a:r>
-              <a:rPr lang="en-US">
-                <a:cs typeface="Calibri"/>
-              </a:rPr>
-              <a:t>)</a:t>
-            </a:r>
-          </a:p>
-          <a:p>
-            <a:r>
-              <a:rPr lang="en-US">
-                <a:cs typeface="Calibri"/>
-              </a:rPr>
-              <a:t>Tipo di </a:t>
-            </a:r>
-            <a:r>
-              <a:rPr lang="en-US" err="1">
-                <a:cs typeface="Calibri"/>
-              </a:rPr>
-              <a:t>comunicazione</a:t>
-            </a:r>
-            <a:r>
-              <a:rPr lang="en-US">
-                <a:cs typeface="Calibri"/>
-              </a:rPr>
-              <a:t> </a:t>
-            </a:r>
-            <a:r>
-              <a:rPr lang="en-US" err="1">
-                <a:cs typeface="Calibri"/>
-              </a:rPr>
-              <a:t>tra</a:t>
-            </a:r>
-            <a:r>
-              <a:rPr lang="en-US">
-                <a:cs typeface="Calibri"/>
-              </a:rPr>
-              <a:t> client e server di spring &amp; server spring con </a:t>
-            </a:r>
-            <a:r>
-              <a:rPr lang="en-US" err="1">
-                <a:cs typeface="Calibri"/>
-              </a:rPr>
-              <a:t>coldstorage</a:t>
-            </a:r>
-            <a:r>
-              <a:rPr lang="en-US">
-                <a:cs typeface="Calibri"/>
-              </a:rPr>
-              <a:t> (facade) (COAP per </a:t>
-            </a:r>
-            <a:r>
-              <a:rPr lang="en-US" err="1">
-                <a:cs typeface="Calibri"/>
-              </a:rPr>
-              <a:t>coap</a:t>
-            </a:r>
-            <a:r>
-              <a:rPr lang="en-US">
-                <a:cs typeface="Calibri"/>
-              </a:rPr>
-              <a:t> </a:t>
-            </a:r>
-            <a:r>
-              <a:rPr lang="en-US" err="1">
-                <a:cs typeface="Calibri"/>
-              </a:rPr>
-              <a:t>obeserver</a:t>
-            </a:r>
-            <a:r>
-              <a:rPr lang="en-US">
-                <a:cs typeface="Calibri"/>
-              </a:rPr>
-              <a:t> per </a:t>
-            </a:r>
-            <a:r>
-              <a:rPr lang="en-US" err="1">
-                <a:cs typeface="Calibri"/>
-              </a:rPr>
-              <a:t>aggiornamaneti</a:t>
-            </a:r>
-            <a:r>
-              <a:rPr lang="en-US">
-                <a:cs typeface="Calibri"/>
-              </a:rPr>
-              <a:t> </a:t>
-            </a:r>
-            <a:r>
-              <a:rPr lang="en-US" err="1">
-                <a:cs typeface="Calibri"/>
-              </a:rPr>
-              <a:t>pesi</a:t>
-            </a:r>
-            <a:r>
-              <a:rPr lang="en-US">
-                <a:cs typeface="Calibri"/>
-              </a:rPr>
-              <a:t>  trigger </a:t>
-            </a:r>
-            <a:r>
-              <a:rPr lang="en-US" err="1">
-                <a:cs typeface="Calibri"/>
-              </a:rPr>
-              <a:t>della</a:t>
-            </a:r>
-            <a:r>
-              <a:rPr lang="en-US">
-                <a:cs typeface="Calibri"/>
-              </a:rPr>
-              <a:t> </a:t>
-            </a:r>
-            <a:r>
-              <a:rPr lang="en-US" err="1">
-                <a:cs typeface="Calibri"/>
-              </a:rPr>
-              <a:t>updateresource</a:t>
-            </a:r>
-            <a:r>
-              <a:rPr lang="en-US">
-                <a:cs typeface="Calibri"/>
-              </a:rPr>
-              <a:t>; TCP per lo </a:t>
-            </a:r>
-            <a:r>
-              <a:rPr lang="en-US" err="1">
-                <a:cs typeface="Calibri"/>
-              </a:rPr>
-              <a:t>scambio</a:t>
-            </a:r>
-            <a:r>
-              <a:rPr lang="en-US">
-                <a:cs typeface="Calibri"/>
-              </a:rPr>
-              <a:t> di </a:t>
-            </a:r>
-            <a:r>
-              <a:rPr lang="en-US" err="1">
-                <a:cs typeface="Calibri"/>
-              </a:rPr>
-              <a:t>messaggi</a:t>
-            </a:r>
-            <a:r>
-              <a:rPr lang="en-US">
-                <a:cs typeface="Calibri"/>
-              </a:rPr>
-              <a:t>)</a:t>
-            </a:r>
-          </a:p>
-          <a:p>
-            <a:r>
-              <a:rPr lang="en-US" err="1"/>
-              <a:t>Adattamento</a:t>
-            </a:r>
-            <a:r>
-              <a:rPr lang="en-US"/>
-              <a:t> </a:t>
-            </a:r>
-            <a:r>
-              <a:rPr lang="en-US" err="1"/>
-              <a:t>struttura</a:t>
-            </a:r>
-            <a:r>
-              <a:rPr lang="en-US"/>
-              <a:t> </a:t>
-            </a:r>
-            <a:r>
-              <a:rPr lang="en-US" err="1"/>
-              <a:t>messaggi</a:t>
-            </a:r>
-            <a:r>
-              <a:rPr lang="en-US"/>
-              <a:t> (spring -.</a:t>
-            </a:r>
-            <a:r>
-              <a:rPr lang="en-US" err="1"/>
-              <a:t>qak</a:t>
-            </a:r>
-            <a:r>
-              <a:rPr lang="en-US"/>
-              <a:t>)</a:t>
-            </a:r>
-            <a:endParaRPr lang="en-US">
-              <a:cs typeface="Calibri"/>
-            </a:endParaRPr>
-          </a:p>
-          <a:p>
-            <a:r>
-              <a:rPr lang="en-US">
-                <a:cs typeface="Calibri"/>
-              </a:rPr>
-              <a:t>3 tipi di label e </a:t>
-            </a:r>
-            <a:r>
-              <a:rPr lang="en-US" err="1">
-                <a:cs typeface="Calibri"/>
-              </a:rPr>
-              <a:t>motivazioni</a:t>
-            </a:r>
-          </a:p>
-          <a:p>
-            <a:endParaRPr lang="en-US">
-              <a:cs typeface="Calibri"/>
-            </a:endParaRPr>
-          </a:p>
-        </p:txBody>
-      </p:sp>
-      <p:sp>
-        <p:nvSpPr>
-          <p:cNvPr id="4" name="Slide Number Placeholder 3"/>
-          <p:cNvSpPr>
-            <a:spLocks noGrp="1"/>
-          </p:cNvSpPr>
-          <p:nvPr>
-            <p:ph type="sldNum" sz="quarter" idx="5"/>
-          </p:nvPr>
-        </p:nvSpPr>
-        <p:spPr/>
-        <p:txBody>
-          <a:bodyPr/>
-          <a:lstStyle/>
-          <a:p>
-            <a:fld id="{B0B47AC5-D268-4E7F-9DC7-D145F488AFD1}" type="slidenum">
-              <a:t>6</a:t>
-            </a:fld>
-            <a:endParaRPr lang="en-US"/>
-          </a:p>
-        </p:txBody>
-      </p:sp>
-    </p:spTree>
-    <p:extLst>
-      <p:ext uri="{BB962C8B-B14F-4D97-AF65-F5344CB8AC3E}">
-        <p14:creationId xmlns:p14="http://schemas.microsoft.com/office/powerpoint/2010/main" val="1530802863"/>
-      </p:ext>
-    </p:extLst>
-  </p:cSld>
-  <p:clrMapOvr>
-    <a:masterClrMapping/>
-  </p:clrMapOvr>
-</p:notes>
-</file>
-
-<file path=ppt/notesSlides/notesSlide7.xml><?xml version="1.0" encoding="utf-8"?>
 <p:notes xmlns:a="http://schemas.openxmlformats.org/drawingml/2006/main" xmlns:r="http://schemas.openxmlformats.org/officeDocument/2006/relationships" xmlns:p="http://schemas.openxmlformats.org/presentationml/2006/main">
   <p:cSld>
     <p:spTree>
@@ -2806,7 +2701,7 @@
           <a:p>
             <a:fld id="{B0B47AC5-D268-4E7F-9DC7-D145F488AFD1}" type="slidenum">
               <a:rPr lang="it-IT" smtClean="0"/>
-              <a:t>7</a:t>
+              <a:t>6</a:t>
             </a:fld>
             <a:endParaRPr lang="it-IT"/>
           </a:p>
@@ -2875,7 +2770,7 @@
           <a:noFill/>
           <a:extLst>
             <a:ext uri="{909E8E84-426E-40dd-AFC4-6F175D3DCCD1}">
-              <a14:hiddenFill xmlns="" xmlns:a14="http://schemas.microsoft.com/office/drawing/2010/main">
+              <a14:hiddenFill xmlns:a14="http://schemas.microsoft.com/office/drawing/2010/main" xmlns="">
                 <a:solidFill>
                   <a:srgbClr val="FFFFFF"/>
                 </a:solidFill>
@@ -2935,7 +2830,7 @@
             </a:ln>
             <a:extLst>
               <a:ext uri="{91240B29-F687-4f45-9708-019B960494DF}">
-                <a14:hiddenLine xmlns="" xmlns:a14="http://schemas.microsoft.com/office/drawing/2010/main" w="9525">
+                <a14:hiddenLine xmlns:a14="http://schemas.microsoft.com/office/drawing/2010/main" xmlns="" w="9525">
                   <a:solidFill>
                     <a:srgbClr val="000000"/>
                   </a:solidFill>
@@ -3025,7 +2920,7 @@
             </a:ln>
             <a:extLst>
               <a:ext uri="{91240B29-F687-4f45-9708-019B960494DF}">
-                <a14:hiddenLine xmlns="" xmlns:a14="http://schemas.microsoft.com/office/drawing/2010/main" w="9525">
+                <a14:hiddenLine xmlns:a14="http://schemas.microsoft.com/office/drawing/2010/main" xmlns="" w="9525">
                   <a:solidFill>
                     <a:srgbClr val="000000"/>
                   </a:solidFill>
@@ -3115,7 +3010,7 @@
             </a:ln>
             <a:extLst>
               <a:ext uri="{91240B29-F687-4f45-9708-019B960494DF}">
-                <a14:hiddenLine xmlns="" xmlns:a14="http://schemas.microsoft.com/office/drawing/2010/main" w="9525">
+                <a14:hiddenLine xmlns:a14="http://schemas.microsoft.com/office/drawing/2010/main" xmlns="" w="9525">
                   <a:solidFill>
                     <a:srgbClr val="000000"/>
                   </a:solidFill>
@@ -3149,7 +3044,7 @@
             </a:ln>
             <a:extLst>
               <a:ext uri="{91240B29-F687-4f45-9708-019B960494DF}">
-                <a14:hiddenLine xmlns="" xmlns:a14="http://schemas.microsoft.com/office/drawing/2010/main" w="9525">
+                <a14:hiddenLine xmlns:a14="http://schemas.microsoft.com/office/drawing/2010/main" xmlns="" w="9525">
                   <a:solidFill>
                     <a:srgbClr val="000000"/>
                   </a:solidFill>
@@ -3239,7 +3134,7 @@
             </a:ln>
             <a:extLst>
               <a:ext uri="{91240B29-F687-4f45-9708-019B960494DF}">
-                <a14:hiddenLine xmlns="" xmlns:a14="http://schemas.microsoft.com/office/drawing/2010/main" w="9525">
+                <a14:hiddenLine xmlns:a14="http://schemas.microsoft.com/office/drawing/2010/main" xmlns="" w="9525">
                   <a:solidFill>
                     <a:srgbClr val="000000"/>
                   </a:solidFill>
@@ -3301,7 +3196,7 @@
             </a:ln>
             <a:extLst>
               <a:ext uri="{91240B29-F687-4f45-9708-019B960494DF}">
-                <a14:hiddenLine xmlns="" xmlns:a14="http://schemas.microsoft.com/office/drawing/2010/main" w="9525">
+                <a14:hiddenLine xmlns:a14="http://schemas.microsoft.com/office/drawing/2010/main" xmlns="" w="9525">
                   <a:solidFill>
                     <a:srgbClr val="000000"/>
                   </a:solidFill>
@@ -3363,7 +3258,7 @@
             </a:ln>
             <a:extLst>
               <a:ext uri="{91240B29-F687-4f45-9708-019B960494DF}">
-                <a14:hiddenLine xmlns="" xmlns:a14="http://schemas.microsoft.com/office/drawing/2010/main" w="9525">
+                <a14:hiddenLine xmlns:a14="http://schemas.microsoft.com/office/drawing/2010/main" xmlns="" w="9525">
                   <a:solidFill>
                     <a:srgbClr val="000000"/>
                   </a:solidFill>
@@ -3453,7 +3348,7 @@
             </a:ln>
             <a:extLst>
               <a:ext uri="{91240B29-F687-4f45-9708-019B960494DF}">
-                <a14:hiddenLine xmlns="" xmlns:a14="http://schemas.microsoft.com/office/drawing/2010/main" w="9525">
+                <a14:hiddenLine xmlns:a14="http://schemas.microsoft.com/office/drawing/2010/main" xmlns="" w="9525">
                   <a:solidFill>
                     <a:srgbClr val="000000"/>
                   </a:solidFill>
@@ -3515,7 +3410,7 @@
             </a:ln>
             <a:extLst>
               <a:ext uri="{91240B29-F687-4f45-9708-019B960494DF}">
-                <a14:hiddenLine xmlns="" xmlns:a14="http://schemas.microsoft.com/office/drawing/2010/main" w="9525">
+                <a14:hiddenLine xmlns:a14="http://schemas.microsoft.com/office/drawing/2010/main" xmlns="" w="9525">
                   <a:solidFill>
                     <a:srgbClr val="000000"/>
                   </a:solidFill>
@@ -3577,7 +3472,7 @@
             </a:ln>
             <a:extLst>
               <a:ext uri="{91240B29-F687-4f45-9708-019B960494DF}">
-                <a14:hiddenLine xmlns="" xmlns:a14="http://schemas.microsoft.com/office/drawing/2010/main" w="9525">
+                <a14:hiddenLine xmlns:a14="http://schemas.microsoft.com/office/drawing/2010/main" xmlns="" w="9525">
                   <a:solidFill>
                     <a:srgbClr val="000000"/>
                   </a:solidFill>
@@ -3667,7 +3562,7 @@
             </a:ln>
             <a:extLst>
               <a:ext uri="{91240B29-F687-4f45-9708-019B960494DF}">
-                <a14:hiddenLine xmlns="" xmlns:a14="http://schemas.microsoft.com/office/drawing/2010/main" w="9525">
+                <a14:hiddenLine xmlns:a14="http://schemas.microsoft.com/office/drawing/2010/main" xmlns="" w="9525">
                   <a:solidFill>
                     <a:srgbClr val="000000"/>
                   </a:solidFill>
@@ -3757,7 +3652,7 @@
             </a:ln>
             <a:extLst>
               <a:ext uri="{91240B29-F687-4f45-9708-019B960494DF}">
-                <a14:hiddenLine xmlns="" xmlns:a14="http://schemas.microsoft.com/office/drawing/2010/main" w="9525">
+                <a14:hiddenLine xmlns:a14="http://schemas.microsoft.com/office/drawing/2010/main" xmlns="" w="9525">
                   <a:solidFill>
                     <a:srgbClr val="000000"/>
                   </a:solidFill>
@@ -3819,7 +3714,7 @@
             </a:ln>
             <a:extLst>
               <a:ext uri="{91240B29-F687-4f45-9708-019B960494DF}">
-                <a14:hiddenLine xmlns="" xmlns:a14="http://schemas.microsoft.com/office/drawing/2010/main" w="9525">
+                <a14:hiddenLine xmlns:a14="http://schemas.microsoft.com/office/drawing/2010/main" xmlns="" w="9525">
                   <a:solidFill>
                     <a:srgbClr val="000000"/>
                   </a:solidFill>
@@ -3929,7 +3824,7 @@
             </a:ln>
             <a:extLst>
               <a:ext uri="{91240B29-F687-4f45-9708-019B960494DF}">
-                <a14:hiddenLine xmlns="" xmlns:a14="http://schemas.microsoft.com/office/drawing/2010/main" w="9525">
+                <a14:hiddenLine xmlns:a14="http://schemas.microsoft.com/office/drawing/2010/main" xmlns="" w="9525">
                   <a:solidFill>
                     <a:srgbClr val="000000"/>
                   </a:solidFill>
@@ -3991,7 +3886,7 @@
             </a:ln>
             <a:extLst>
               <a:ext uri="{91240B29-F687-4f45-9708-019B960494DF}">
-                <a14:hiddenLine xmlns="" xmlns:a14="http://schemas.microsoft.com/office/drawing/2010/main" w="9525">
+                <a14:hiddenLine xmlns:a14="http://schemas.microsoft.com/office/drawing/2010/main" xmlns="" w="9525">
                   <a:solidFill>
                     <a:srgbClr val="000000"/>
                   </a:solidFill>
@@ -4081,7 +3976,7 @@
             </a:ln>
             <a:extLst>
               <a:ext uri="{91240B29-F687-4f45-9708-019B960494DF}">
-                <a14:hiddenLine xmlns="" xmlns:a14="http://schemas.microsoft.com/office/drawing/2010/main" w="9525">
+                <a14:hiddenLine xmlns:a14="http://schemas.microsoft.com/office/drawing/2010/main" xmlns="" w="9525">
                   <a:solidFill>
                     <a:srgbClr val="000000"/>
                   </a:solidFill>
@@ -4171,7 +4066,7 @@
             </a:ln>
             <a:extLst>
               <a:ext uri="{91240B29-F687-4f45-9708-019B960494DF}">
-                <a14:hiddenLine xmlns="" xmlns:a14="http://schemas.microsoft.com/office/drawing/2010/main" w="9525">
+                <a14:hiddenLine xmlns:a14="http://schemas.microsoft.com/office/drawing/2010/main" xmlns="" w="9525">
                   <a:solidFill>
                     <a:srgbClr val="000000"/>
                   </a:solidFill>
@@ -4233,7 +4128,7 @@
             </a:ln>
             <a:extLst>
               <a:ext uri="{91240B29-F687-4f45-9708-019B960494DF}">
-                <a14:hiddenLine xmlns="" xmlns:a14="http://schemas.microsoft.com/office/drawing/2010/main" w="9525">
+                <a14:hiddenLine xmlns:a14="http://schemas.microsoft.com/office/drawing/2010/main" xmlns="" w="9525">
                   <a:solidFill>
                     <a:srgbClr val="000000"/>
                   </a:solidFill>
@@ -4323,7 +4218,7 @@
             </a:ln>
             <a:extLst>
               <a:ext uri="{91240B29-F687-4f45-9708-019B960494DF}">
-                <a14:hiddenLine xmlns="" xmlns:a14="http://schemas.microsoft.com/office/drawing/2010/main" w="9525">
+                <a14:hiddenLine xmlns:a14="http://schemas.microsoft.com/office/drawing/2010/main" xmlns="" w="9525">
                   <a:solidFill>
                     <a:srgbClr val="000000"/>
                   </a:solidFill>
@@ -4413,7 +4308,7 @@
             </a:ln>
             <a:extLst>
               <a:ext uri="{91240B29-F687-4f45-9708-019B960494DF}">
-                <a14:hiddenLine xmlns="" xmlns:a14="http://schemas.microsoft.com/office/drawing/2010/main" w="9525">
+                <a14:hiddenLine xmlns:a14="http://schemas.microsoft.com/office/drawing/2010/main" xmlns="" w="9525">
                   <a:solidFill>
                     <a:srgbClr val="000000"/>
                   </a:solidFill>
@@ -4469,7 +4364,7 @@
             </a:ln>
             <a:extLst>
               <a:ext uri="{91240B29-F687-4f45-9708-019B960494DF}">
-                <a14:hiddenLine xmlns="" xmlns:a14="http://schemas.microsoft.com/office/drawing/2010/main" w="9525">
+                <a14:hiddenLine xmlns:a14="http://schemas.microsoft.com/office/drawing/2010/main" xmlns="" w="9525">
                   <a:solidFill>
                     <a:srgbClr val="000000"/>
                   </a:solidFill>
@@ -4559,7 +4454,7 @@
             </a:ln>
             <a:extLst>
               <a:ext uri="{91240B29-F687-4f45-9708-019B960494DF}">
-                <a14:hiddenLine xmlns="" xmlns:a14="http://schemas.microsoft.com/office/drawing/2010/main" w="9525">
+                <a14:hiddenLine xmlns:a14="http://schemas.microsoft.com/office/drawing/2010/main" xmlns="" w="9525">
                   <a:solidFill>
                     <a:srgbClr val="000000"/>
                   </a:solidFill>
@@ -4615,7 +4510,7 @@
             </a:ln>
             <a:extLst>
               <a:ext uri="{91240B29-F687-4f45-9708-019B960494DF}">
-                <a14:hiddenLine xmlns="" xmlns:a14="http://schemas.microsoft.com/office/drawing/2010/main" w="9525">
+                <a14:hiddenLine xmlns:a14="http://schemas.microsoft.com/office/drawing/2010/main" xmlns="" w="9525">
                   <a:solidFill>
                     <a:srgbClr val="000000"/>
                   </a:solidFill>
@@ -4705,7 +4600,7 @@
             </a:ln>
             <a:extLst>
               <a:ext uri="{91240B29-F687-4f45-9708-019B960494DF}">
-                <a14:hiddenLine xmlns="" xmlns:a14="http://schemas.microsoft.com/office/drawing/2010/main" w="9525">
+                <a14:hiddenLine xmlns:a14="http://schemas.microsoft.com/office/drawing/2010/main" xmlns="" w="9525">
                   <a:solidFill>
                     <a:srgbClr val="000000"/>
                   </a:solidFill>
@@ -4773,7 +4668,7 @@
             </a:ln>
             <a:extLst>
               <a:ext uri="{91240B29-F687-4f45-9708-019B960494DF}">
-                <a14:hiddenLine xmlns="" xmlns:a14="http://schemas.microsoft.com/office/drawing/2010/main" w="9525">
+                <a14:hiddenLine xmlns:a14="http://schemas.microsoft.com/office/drawing/2010/main" xmlns="" w="9525">
                   <a:solidFill>
                     <a:srgbClr val="000000"/>
                   </a:solidFill>
@@ -4863,7 +4758,7 @@
             </a:ln>
             <a:extLst>
               <a:ext uri="{91240B29-F687-4f45-9708-019B960494DF}">
-                <a14:hiddenLine xmlns="" xmlns:a14="http://schemas.microsoft.com/office/drawing/2010/main" w="9525">
+                <a14:hiddenLine xmlns:a14="http://schemas.microsoft.com/office/drawing/2010/main" xmlns="" w="9525">
                   <a:solidFill>
                     <a:srgbClr val="000000"/>
                   </a:solidFill>
@@ -4931,7 +4826,7 @@
             </a:ln>
             <a:extLst>
               <a:ext uri="{91240B29-F687-4f45-9708-019B960494DF}">
-                <a14:hiddenLine xmlns="" xmlns:a14="http://schemas.microsoft.com/office/drawing/2010/main" w="9525">
+                <a14:hiddenLine xmlns:a14="http://schemas.microsoft.com/office/drawing/2010/main" xmlns="" w="9525">
                   <a:solidFill>
                     <a:srgbClr val="000000"/>
                   </a:solidFill>
@@ -5021,7 +4916,7 @@
             </a:ln>
             <a:extLst>
               <a:ext uri="{91240B29-F687-4f45-9708-019B960494DF}">
-                <a14:hiddenLine xmlns="" xmlns:a14="http://schemas.microsoft.com/office/drawing/2010/main" w="9525">
+                <a14:hiddenLine xmlns:a14="http://schemas.microsoft.com/office/drawing/2010/main" xmlns="" w="9525">
                   <a:solidFill>
                     <a:srgbClr val="000000"/>
                   </a:solidFill>
@@ -5055,7 +4950,7 @@
             </a:ln>
             <a:extLst>
               <a:ext uri="{91240B29-F687-4f45-9708-019B960494DF}">
-                <a14:hiddenLine xmlns="" xmlns:a14="http://schemas.microsoft.com/office/drawing/2010/main" w="9525">
+                <a14:hiddenLine xmlns:a14="http://schemas.microsoft.com/office/drawing/2010/main" xmlns="" w="9525">
                   <a:solidFill>
                     <a:srgbClr val="000000"/>
                   </a:solidFill>
@@ -5145,7 +5040,7 @@
             </a:ln>
             <a:extLst>
               <a:ext uri="{91240B29-F687-4f45-9708-019B960494DF}">
-                <a14:hiddenLine xmlns="" xmlns:a14="http://schemas.microsoft.com/office/drawing/2010/main" w="9525">
+                <a14:hiddenLine xmlns:a14="http://schemas.microsoft.com/office/drawing/2010/main" xmlns="" w="9525">
                   <a:solidFill>
                     <a:srgbClr val="000000"/>
                   </a:solidFill>
@@ -5207,7 +5102,7 @@
             </a:ln>
             <a:extLst>
               <a:ext uri="{91240B29-F687-4f45-9708-019B960494DF}">
-                <a14:hiddenLine xmlns="" xmlns:a14="http://schemas.microsoft.com/office/drawing/2010/main" w="9525">
+                <a14:hiddenLine xmlns:a14="http://schemas.microsoft.com/office/drawing/2010/main" xmlns="" w="9525">
                   <a:solidFill>
                     <a:srgbClr val="000000"/>
                   </a:solidFill>
@@ -5269,7 +5164,7 @@
             </a:ln>
             <a:extLst>
               <a:ext uri="{91240B29-F687-4f45-9708-019B960494DF}">
-                <a14:hiddenLine xmlns="" xmlns:a14="http://schemas.microsoft.com/office/drawing/2010/main" w="9525">
+                <a14:hiddenLine xmlns:a14="http://schemas.microsoft.com/office/drawing/2010/main" xmlns="" w="9525">
                   <a:solidFill>
                     <a:srgbClr val="000000"/>
                   </a:solidFill>
@@ -5359,7 +5254,7 @@
             </a:ln>
             <a:extLst>
               <a:ext uri="{91240B29-F687-4f45-9708-019B960494DF}">
-                <a14:hiddenLine xmlns="" xmlns:a14="http://schemas.microsoft.com/office/drawing/2010/main" w="9525">
+                <a14:hiddenLine xmlns:a14="http://schemas.microsoft.com/office/drawing/2010/main" xmlns="" w="9525">
                   <a:solidFill>
                     <a:srgbClr val="000000"/>
                   </a:solidFill>
@@ -5427,7 +5322,7 @@
             </a:ln>
             <a:extLst>
               <a:ext uri="{91240B29-F687-4f45-9708-019B960494DF}">
-                <a14:hiddenLine xmlns="" xmlns:a14="http://schemas.microsoft.com/office/drawing/2010/main" w="9525">
+                <a14:hiddenLine xmlns:a14="http://schemas.microsoft.com/office/drawing/2010/main" xmlns="" w="9525">
                   <a:solidFill>
                     <a:srgbClr val="000000"/>
                   </a:solidFill>
@@ -5489,7 +5384,7 @@
             </a:ln>
             <a:extLst>
               <a:ext uri="{91240B29-F687-4f45-9708-019B960494DF}">
-                <a14:hiddenLine xmlns="" xmlns:a14="http://schemas.microsoft.com/office/drawing/2010/main" w="9525">
+                <a14:hiddenLine xmlns:a14="http://schemas.microsoft.com/office/drawing/2010/main" xmlns="" w="9525">
                   <a:solidFill>
                     <a:srgbClr val="000000"/>
                   </a:solidFill>
@@ -5579,7 +5474,7 @@
             </a:ln>
             <a:extLst>
               <a:ext uri="{91240B29-F687-4f45-9708-019B960494DF}">
-                <a14:hiddenLine xmlns="" xmlns:a14="http://schemas.microsoft.com/office/drawing/2010/main" w="9525">
+                <a14:hiddenLine xmlns:a14="http://schemas.microsoft.com/office/drawing/2010/main" xmlns="" w="9525">
                   <a:solidFill>
                     <a:srgbClr val="000000"/>
                   </a:solidFill>
@@ -5641,7 +5536,7 @@
             </a:ln>
             <a:extLst>
               <a:ext uri="{91240B29-F687-4f45-9708-019B960494DF}">
-                <a14:hiddenLine xmlns="" xmlns:a14="http://schemas.microsoft.com/office/drawing/2010/main" w="9525">
+                <a14:hiddenLine xmlns:a14="http://schemas.microsoft.com/office/drawing/2010/main" xmlns="" w="9525">
                   <a:solidFill>
                     <a:srgbClr val="000000"/>
                   </a:solidFill>
@@ -5731,7 +5626,7 @@
             </a:ln>
             <a:extLst>
               <a:ext uri="{91240B29-F687-4f45-9708-019B960494DF}">
-                <a14:hiddenLine xmlns="" xmlns:a14="http://schemas.microsoft.com/office/drawing/2010/main" w="9525">
+                <a14:hiddenLine xmlns:a14="http://schemas.microsoft.com/office/drawing/2010/main" xmlns="" w="9525">
                   <a:solidFill>
                     <a:srgbClr val="000000"/>
                   </a:solidFill>
@@ -5793,7 +5688,7 @@
             </a:ln>
             <a:extLst>
               <a:ext uri="{91240B29-F687-4f45-9708-019B960494DF}">
-                <a14:hiddenLine xmlns="" xmlns:a14="http://schemas.microsoft.com/office/drawing/2010/main" w="9525">
+                <a14:hiddenLine xmlns:a14="http://schemas.microsoft.com/office/drawing/2010/main" xmlns="" w="9525">
                   <a:solidFill>
                     <a:srgbClr val="000000"/>
                   </a:solidFill>
@@ -5883,7 +5778,7 @@
             </a:ln>
             <a:extLst>
               <a:ext uri="{91240B29-F687-4f45-9708-019B960494DF}">
-                <a14:hiddenLine xmlns="" xmlns:a14="http://schemas.microsoft.com/office/drawing/2010/main" w="9525">
+                <a14:hiddenLine xmlns:a14="http://schemas.microsoft.com/office/drawing/2010/main" xmlns="" w="9525">
                   <a:solidFill>
                     <a:srgbClr val="000000"/>
                   </a:solidFill>
@@ -5917,7 +5812,7 @@
             </a:ln>
             <a:extLst>
               <a:ext uri="{91240B29-F687-4f45-9708-019B960494DF}">
-                <a14:hiddenLine xmlns="" xmlns:a14="http://schemas.microsoft.com/office/drawing/2010/main" w="9525">
+                <a14:hiddenLine xmlns:a14="http://schemas.microsoft.com/office/drawing/2010/main" xmlns="" w="9525">
                   <a:solidFill>
                     <a:srgbClr val="000000"/>
                   </a:solidFill>
@@ -5982,7 +5877,7 @@
             </a:ln>
             <a:extLst>
               <a:ext uri="{91240B29-F687-4f45-9708-019B960494DF}">
-                <a14:hiddenLine xmlns="" xmlns:a14="http://schemas.microsoft.com/office/drawing/2010/main" w="9525">
+                <a14:hiddenLine xmlns:a14="http://schemas.microsoft.com/office/drawing/2010/main" xmlns="" w="9525">
                   <a:solidFill>
                     <a:srgbClr val="000000"/>
                   </a:solidFill>
@@ -6072,7 +5967,7 @@
             </a:ln>
             <a:extLst>
               <a:ext uri="{91240B29-F687-4f45-9708-019B960494DF}">
-                <a14:hiddenLine xmlns="" xmlns:a14="http://schemas.microsoft.com/office/drawing/2010/main" w="9525">
+                <a14:hiddenLine xmlns:a14="http://schemas.microsoft.com/office/drawing/2010/main" xmlns="" w="9525">
                   <a:solidFill>
                     <a:srgbClr val="000000"/>
                   </a:solidFill>
@@ -6134,7 +6029,7 @@
             </a:ln>
             <a:extLst>
               <a:ext uri="{91240B29-F687-4f45-9708-019B960494DF}">
-                <a14:hiddenLine xmlns="" xmlns:a14="http://schemas.microsoft.com/office/drawing/2010/main" w="9525">
+                <a14:hiddenLine xmlns:a14="http://schemas.microsoft.com/office/drawing/2010/main" xmlns="" w="9525">
                   <a:solidFill>
                     <a:srgbClr val="000000"/>
                   </a:solidFill>
@@ -6224,7 +6119,7 @@
             </a:ln>
             <a:extLst>
               <a:ext uri="{91240B29-F687-4f45-9708-019B960494DF}">
-                <a14:hiddenLine xmlns="" xmlns:a14="http://schemas.microsoft.com/office/drawing/2010/main" w="9525">
+                <a14:hiddenLine xmlns:a14="http://schemas.microsoft.com/office/drawing/2010/main" xmlns="" w="9525">
                   <a:solidFill>
                     <a:srgbClr val="000000"/>
                   </a:solidFill>
@@ -6314,7 +6209,7 @@
             </a:ln>
             <a:extLst>
               <a:ext uri="{91240B29-F687-4f45-9708-019B960494DF}">
-                <a14:hiddenLine xmlns="" xmlns:a14="http://schemas.microsoft.com/office/drawing/2010/main" w="9525">
+                <a14:hiddenLine xmlns:a14="http://schemas.microsoft.com/office/drawing/2010/main" xmlns="" w="9525">
                   <a:solidFill>
                     <a:srgbClr val="000000"/>
                   </a:solidFill>
@@ -6379,7 +6274,7 @@
             </a:ln>
             <a:extLst>
               <a:ext uri="{91240B29-F687-4f45-9708-019B960494DF}">
-                <a14:hiddenLine xmlns="" xmlns:a14="http://schemas.microsoft.com/office/drawing/2010/main" w="9525">
+                <a14:hiddenLine xmlns:a14="http://schemas.microsoft.com/office/drawing/2010/main" xmlns="" w="9525">
                   <a:solidFill>
                     <a:srgbClr val="000000"/>
                   </a:solidFill>
@@ -6441,7 +6336,7 @@
             </a:ln>
             <a:extLst>
               <a:ext uri="{91240B29-F687-4f45-9708-019B960494DF}">
-                <a14:hiddenLine xmlns="" xmlns:a14="http://schemas.microsoft.com/office/drawing/2010/main" w="9525">
+                <a14:hiddenLine xmlns:a14="http://schemas.microsoft.com/office/drawing/2010/main" xmlns="" w="9525">
                   <a:solidFill>
                     <a:srgbClr val="000000"/>
                   </a:solidFill>
@@ -6531,7 +6426,7 @@
             </a:ln>
             <a:extLst>
               <a:ext uri="{91240B29-F687-4f45-9708-019B960494DF}">
-                <a14:hiddenLine xmlns="" xmlns:a14="http://schemas.microsoft.com/office/drawing/2010/main" w="9525">
+                <a14:hiddenLine xmlns:a14="http://schemas.microsoft.com/office/drawing/2010/main" xmlns="" w="9525">
                   <a:solidFill>
                     <a:srgbClr val="000000"/>
                   </a:solidFill>
@@ -6621,7 +6516,7 @@
             </a:ln>
             <a:extLst>
               <a:ext uri="{91240B29-F687-4f45-9708-019B960494DF}">
-                <a14:hiddenLine xmlns="" xmlns:a14="http://schemas.microsoft.com/office/drawing/2010/main" w="9525">
+                <a14:hiddenLine xmlns:a14="http://schemas.microsoft.com/office/drawing/2010/main" xmlns="" w="9525">
                   <a:solidFill>
                     <a:srgbClr val="000000"/>
                   </a:solidFill>
@@ -6683,7 +6578,7 @@
             </a:ln>
             <a:extLst>
               <a:ext uri="{91240B29-F687-4f45-9708-019B960494DF}">
-                <a14:hiddenLine xmlns="" xmlns:a14="http://schemas.microsoft.com/office/drawing/2010/main" w="9525">
+                <a14:hiddenLine xmlns:a14="http://schemas.microsoft.com/office/drawing/2010/main" xmlns="" w="9525">
                   <a:solidFill>
                     <a:srgbClr val="000000"/>
                   </a:solidFill>
@@ -6803,7 +6698,7 @@
             </a:ln>
             <a:extLst>
               <a:ext uri="{91240B29-F687-4f45-9708-019B960494DF}">
-                <a14:hiddenLine xmlns="" xmlns:a14="http://schemas.microsoft.com/office/drawing/2010/main" w="9525">
+                <a14:hiddenLine xmlns:a14="http://schemas.microsoft.com/office/drawing/2010/main" xmlns="" w="9525">
                   <a:solidFill>
                     <a:srgbClr val="000000"/>
                   </a:solidFill>
@@ -6871,7 +6766,7 @@
             </a:ln>
             <a:extLst>
               <a:ext uri="{91240B29-F687-4f45-9708-019B960494DF}">
-                <a14:hiddenLine xmlns="" xmlns:a14="http://schemas.microsoft.com/office/drawing/2010/main" w="9525">
+                <a14:hiddenLine xmlns:a14="http://schemas.microsoft.com/office/drawing/2010/main" xmlns="" w="9525">
                   <a:solidFill>
                     <a:srgbClr val="000000"/>
                   </a:solidFill>
@@ -6961,7 +6856,7 @@
             </a:ln>
             <a:extLst>
               <a:ext uri="{91240B29-F687-4f45-9708-019B960494DF}">
-                <a14:hiddenLine xmlns="" xmlns:a14="http://schemas.microsoft.com/office/drawing/2010/main" w="9525">
+                <a14:hiddenLine xmlns:a14="http://schemas.microsoft.com/office/drawing/2010/main" xmlns="" w="9525">
                   <a:solidFill>
                     <a:srgbClr val="000000"/>
                   </a:solidFill>
@@ -7101,7 +6996,7 @@
           <a:p>
             <a:fld id="{48A87A34-81AB-432B-8DAE-1953F412C126}" type="datetimeFigureOut">
               <a:rPr lang="en-US" dirty="0"/>
-              <a:t>6/3/2024</a:t>
+              <a:t>6/7/2024</a:t>
             </a:fld>
             <a:endParaRPr lang="en-US"/>
           </a:p>
@@ -7363,7 +7258,7 @@
           <a:p>
             <a:fld id="{48A87A34-81AB-432B-8DAE-1953F412C126}" type="datetimeFigureOut">
               <a:rPr lang="en-US" dirty="0"/>
-              <a:t>6/3/2024</a:t>
+              <a:t>6/7/2024</a:t>
             </a:fld>
             <a:endParaRPr lang="en-US"/>
           </a:p>
@@ -7554,7 +7449,7 @@
           <a:p>
             <a:fld id="{48A87A34-81AB-432B-8DAE-1953F412C126}" type="datetimeFigureOut">
               <a:rPr lang="en-US" dirty="0"/>
-              <a:t>6/3/2024</a:t>
+              <a:t>6/7/2024</a:t>
             </a:fld>
             <a:endParaRPr lang="en-US"/>
           </a:p>
@@ -7812,7 +7707,7 @@
           <a:p>
             <a:fld id="{48A87A34-81AB-432B-8DAE-1953F412C126}" type="datetimeFigureOut">
               <a:rPr lang="en-US" dirty="0"/>
-              <a:t>6/3/2024</a:t>
+              <a:t>6/7/2024</a:t>
             </a:fld>
             <a:endParaRPr lang="en-US"/>
           </a:p>
@@ -8241,7 +8136,7 @@
           <a:p>
             <a:fld id="{48A87A34-81AB-432B-8DAE-1953F412C126}" type="datetimeFigureOut">
               <a:rPr lang="en-US" dirty="0"/>
-              <a:t>6/3/2024</a:t>
+              <a:t>6/7/2024</a:t>
             </a:fld>
             <a:endParaRPr lang="en-US"/>
           </a:p>
@@ -8782,7 +8677,7 @@
           <a:p>
             <a:fld id="{48A87A34-81AB-432B-8DAE-1953F412C126}" type="datetimeFigureOut">
               <a:rPr lang="en-US" dirty="0"/>
-              <a:t>6/3/2024</a:t>
+              <a:t>6/7/2024</a:t>
             </a:fld>
             <a:endParaRPr lang="en-US"/>
           </a:p>
@@ -9497,7 +9392,7 @@
           <a:p>
             <a:fld id="{48A87A34-81AB-432B-8DAE-1953F412C126}" type="datetimeFigureOut">
               <a:rPr lang="en-US" dirty="0"/>
-              <a:t>6/3/2024</a:t>
+              <a:t>6/7/2024</a:t>
             </a:fld>
             <a:endParaRPr lang="en-US"/>
           </a:p>
@@ -9662,7 +9557,7 @@
           <a:p>
             <a:fld id="{48A87A34-81AB-432B-8DAE-1953F412C126}" type="datetimeFigureOut">
               <a:rPr lang="en-US" dirty="0"/>
-              <a:t>6/3/2024</a:t>
+              <a:t>6/7/2024</a:t>
             </a:fld>
             <a:endParaRPr lang="en-US"/>
           </a:p>
@@ -9837,7 +9732,7 @@
           <a:p>
             <a:fld id="{48A87A34-81AB-432B-8DAE-1953F412C126}" type="datetimeFigureOut">
               <a:rPr lang="en-US" dirty="0"/>
-              <a:t>6/3/2024</a:t>
+              <a:t>6/7/2024</a:t>
             </a:fld>
             <a:endParaRPr lang="en-US"/>
           </a:p>
@@ -10002,7 +9897,7 @@
           <a:p>
             <a:fld id="{48A87A34-81AB-432B-8DAE-1953F412C126}" type="datetimeFigureOut">
               <a:rPr lang="en-US" dirty="0"/>
-              <a:t>6/3/2024</a:t>
+              <a:t>6/7/2024</a:t>
             </a:fld>
             <a:endParaRPr lang="en-US"/>
           </a:p>
@@ -10247,7 +10142,7 @@
           <a:p>
             <a:fld id="{48A87A34-81AB-432B-8DAE-1953F412C126}" type="datetimeFigureOut">
               <a:rPr lang="en-US" dirty="0"/>
-              <a:t>6/3/2024</a:t>
+              <a:t>6/7/2024</a:t>
             </a:fld>
             <a:endParaRPr lang="en-US"/>
           </a:p>
@@ -10474,7 +10369,7 @@
           <a:p>
             <a:fld id="{48A87A34-81AB-432B-8DAE-1953F412C126}" type="datetimeFigureOut">
               <a:rPr lang="en-US" dirty="0"/>
-              <a:t>6/3/2024</a:t>
+              <a:t>6/7/2024</a:t>
             </a:fld>
             <a:endParaRPr lang="en-US"/>
           </a:p>
@@ -10850,7 +10745,7 @@
           <a:p>
             <a:fld id="{48A87A34-81AB-432B-8DAE-1953F412C126}" type="datetimeFigureOut">
               <a:rPr lang="en-US" dirty="0"/>
-              <a:t>6/3/2024</a:t>
+              <a:t>6/7/2024</a:t>
             </a:fld>
             <a:endParaRPr lang="en-US"/>
           </a:p>
@@ -10963,7 +10858,7 @@
           <a:p>
             <a:fld id="{48A87A34-81AB-432B-8DAE-1953F412C126}" type="datetimeFigureOut">
               <a:rPr lang="en-US" dirty="0"/>
-              <a:t>6/3/2024</a:t>
+              <a:t>6/7/2024</a:t>
             </a:fld>
             <a:endParaRPr lang="en-US"/>
           </a:p>
@@ -11053,7 +10948,7 @@
           <a:p>
             <a:fld id="{48A87A34-81AB-432B-8DAE-1953F412C126}" type="datetimeFigureOut">
               <a:rPr lang="en-US" dirty="0"/>
-              <a:t>6/3/2024</a:t>
+              <a:t>6/7/2024</a:t>
             </a:fld>
             <a:endParaRPr lang="en-US"/>
           </a:p>
@@ -11297,7 +11192,7 @@
           <a:p>
             <a:fld id="{48A87A34-81AB-432B-8DAE-1953F412C126}" type="datetimeFigureOut">
               <a:rPr lang="en-US" dirty="0"/>
-              <a:t>6/3/2024</a:t>
+              <a:t>6/7/2024</a:t>
             </a:fld>
             <a:endParaRPr lang="en-US"/>
           </a:p>
@@ -11572,7 +11467,7 @@
           <a:p>
             <a:fld id="{48A87A34-81AB-432B-8DAE-1953F412C126}" type="datetimeFigureOut">
               <a:rPr lang="en-US" dirty="0"/>
-              <a:t>6/3/2024</a:t>
+              <a:t>6/7/2024</a:t>
             </a:fld>
             <a:endParaRPr lang="en-US"/>
           </a:p>
@@ -11683,7 +11578,7 @@
           <a:noFill/>
           <a:extLst>
             <a:ext uri="{909E8E84-426E-40dd-AFC4-6F175D3DCCD1}">
-              <a14:hiddenFill xmlns="" xmlns:a14="http://schemas.microsoft.com/office/drawing/2010/main">
+              <a14:hiddenFill xmlns:a14="http://schemas.microsoft.com/office/drawing/2010/main" xmlns="">
                 <a:solidFill>
                   <a:srgbClr val="FFFFFF"/>
                 </a:solidFill>
@@ -11757,7 +11652,7 @@
               </a:ln>
               <a:extLst>
                 <a:ext uri="{91240B29-F687-4f45-9708-019B960494DF}">
-                  <a14:hiddenLine xmlns="" xmlns:a14="http://schemas.microsoft.com/office/drawing/2010/main" w="9525">
+                  <a14:hiddenLine xmlns:a14="http://schemas.microsoft.com/office/drawing/2010/main" xmlns="" w="9525">
                     <a:solidFill>
                       <a:srgbClr val="000000"/>
                     </a:solidFill>
@@ -11847,7 +11742,7 @@
               </a:ln>
               <a:extLst>
                 <a:ext uri="{91240B29-F687-4f45-9708-019B960494DF}">
-                  <a14:hiddenLine xmlns="" xmlns:a14="http://schemas.microsoft.com/office/drawing/2010/main" w="9525">
+                  <a14:hiddenLine xmlns:a14="http://schemas.microsoft.com/office/drawing/2010/main" xmlns="" w="9525">
                     <a:solidFill>
                       <a:srgbClr val="000000"/>
                     </a:solidFill>
@@ -11937,7 +11832,7 @@
               </a:ln>
               <a:extLst>
                 <a:ext uri="{91240B29-F687-4f45-9708-019B960494DF}">
-                  <a14:hiddenLine xmlns="" xmlns:a14="http://schemas.microsoft.com/office/drawing/2010/main" w="9525">
+                  <a14:hiddenLine xmlns:a14="http://schemas.microsoft.com/office/drawing/2010/main" xmlns="" w="9525">
                     <a:solidFill>
                       <a:srgbClr val="000000"/>
                     </a:solidFill>
@@ -11999,7 +11894,7 @@
               </a:ln>
               <a:extLst>
                 <a:ext uri="{91240B29-F687-4f45-9708-019B960494DF}">
-                  <a14:hiddenLine xmlns="" xmlns:a14="http://schemas.microsoft.com/office/drawing/2010/main" w="9525">
+                  <a14:hiddenLine xmlns:a14="http://schemas.microsoft.com/office/drawing/2010/main" xmlns="" w="9525">
                     <a:solidFill>
                       <a:srgbClr val="000000"/>
                     </a:solidFill>
@@ -12089,7 +11984,7 @@
               </a:ln>
               <a:extLst>
                 <a:ext uri="{91240B29-F687-4f45-9708-019B960494DF}">
-                  <a14:hiddenLine xmlns="" xmlns:a14="http://schemas.microsoft.com/office/drawing/2010/main" w="9525">
+                  <a14:hiddenLine xmlns:a14="http://schemas.microsoft.com/office/drawing/2010/main" xmlns="" w="9525">
                     <a:solidFill>
                       <a:srgbClr val="000000"/>
                     </a:solidFill>
@@ -12151,7 +12046,7 @@
               </a:ln>
               <a:extLst>
                 <a:ext uri="{91240B29-F687-4f45-9708-019B960494DF}">
-                  <a14:hiddenLine xmlns="" xmlns:a14="http://schemas.microsoft.com/office/drawing/2010/main" w="9525">
+                  <a14:hiddenLine xmlns:a14="http://schemas.microsoft.com/office/drawing/2010/main" xmlns="" w="9525">
                     <a:solidFill>
                       <a:srgbClr val="000000"/>
                     </a:solidFill>
@@ -12213,7 +12108,7 @@
               </a:ln>
               <a:extLst>
                 <a:ext uri="{91240B29-F687-4f45-9708-019B960494DF}">
-                  <a14:hiddenLine xmlns="" xmlns:a14="http://schemas.microsoft.com/office/drawing/2010/main" w="9525">
+                  <a14:hiddenLine xmlns:a14="http://schemas.microsoft.com/office/drawing/2010/main" xmlns="" w="9525">
                     <a:solidFill>
                       <a:srgbClr val="000000"/>
                     </a:solidFill>
@@ -12303,7 +12198,7 @@
               </a:ln>
               <a:extLst>
                 <a:ext uri="{91240B29-F687-4f45-9708-019B960494DF}">
-                  <a14:hiddenLine xmlns="" xmlns:a14="http://schemas.microsoft.com/office/drawing/2010/main" w="9525">
+                  <a14:hiddenLine xmlns:a14="http://schemas.microsoft.com/office/drawing/2010/main" xmlns="" w="9525">
                     <a:solidFill>
                       <a:srgbClr val="000000"/>
                     </a:solidFill>
@@ -12393,7 +12288,7 @@
               </a:ln>
               <a:extLst>
                 <a:ext uri="{91240B29-F687-4f45-9708-019B960494DF}">
-                  <a14:hiddenLine xmlns="" xmlns:a14="http://schemas.microsoft.com/office/drawing/2010/main" w="9525">
+                  <a14:hiddenLine xmlns:a14="http://schemas.microsoft.com/office/drawing/2010/main" xmlns="" w="9525">
                     <a:solidFill>
                       <a:srgbClr val="000000"/>
                     </a:solidFill>
@@ -12455,7 +12350,7 @@
               </a:ln>
               <a:extLst>
                 <a:ext uri="{91240B29-F687-4f45-9708-019B960494DF}">
-                  <a14:hiddenLine xmlns="" xmlns:a14="http://schemas.microsoft.com/office/drawing/2010/main" w="9525">
+                  <a14:hiddenLine xmlns:a14="http://schemas.microsoft.com/office/drawing/2010/main" xmlns="" w="9525">
                     <a:solidFill>
                       <a:srgbClr val="000000"/>
                     </a:solidFill>
@@ -12565,7 +12460,7 @@
               </a:ln>
               <a:extLst>
                 <a:ext uri="{91240B29-F687-4f45-9708-019B960494DF}">
-                  <a14:hiddenLine xmlns="" xmlns:a14="http://schemas.microsoft.com/office/drawing/2010/main" w="9525">
+                  <a14:hiddenLine xmlns:a14="http://schemas.microsoft.com/office/drawing/2010/main" xmlns="" w="9525">
                     <a:solidFill>
                       <a:srgbClr val="000000"/>
                     </a:solidFill>
@@ -12649,7 +12544,7 @@
               </a:ln>
               <a:extLst>
                 <a:ext uri="{91240B29-F687-4f45-9708-019B960494DF}">
-                  <a14:hiddenLine xmlns="" xmlns:a14="http://schemas.microsoft.com/office/drawing/2010/main" w="9525">
+                  <a14:hiddenLine xmlns:a14="http://schemas.microsoft.com/office/drawing/2010/main" xmlns="" w="9525">
                     <a:solidFill>
                       <a:srgbClr val="000000"/>
                     </a:solidFill>
@@ -12711,7 +12606,7 @@
               </a:ln>
               <a:extLst>
                 <a:ext uri="{91240B29-F687-4f45-9708-019B960494DF}">
-                  <a14:hiddenLine xmlns="" xmlns:a14="http://schemas.microsoft.com/office/drawing/2010/main" w="9525">
+                  <a14:hiddenLine xmlns:a14="http://schemas.microsoft.com/office/drawing/2010/main" xmlns="" w="9525">
                     <a:solidFill>
                       <a:srgbClr val="000000"/>
                     </a:solidFill>
@@ -12773,7 +12668,7 @@
               </a:ln>
               <a:extLst>
                 <a:ext uri="{91240B29-F687-4f45-9708-019B960494DF}">
-                  <a14:hiddenLine xmlns="" xmlns:a14="http://schemas.microsoft.com/office/drawing/2010/main" w="9525">
+                  <a14:hiddenLine xmlns:a14="http://schemas.microsoft.com/office/drawing/2010/main" xmlns="" w="9525">
                     <a:solidFill>
                       <a:srgbClr val="000000"/>
                     </a:solidFill>
@@ -12863,7 +12758,7 @@
               </a:ln>
               <a:extLst>
                 <a:ext uri="{91240B29-F687-4f45-9708-019B960494DF}">
-                  <a14:hiddenLine xmlns="" xmlns:a14="http://schemas.microsoft.com/office/drawing/2010/main" w="9525">
+                  <a14:hiddenLine xmlns:a14="http://schemas.microsoft.com/office/drawing/2010/main" xmlns="" w="9525">
                     <a:solidFill>
                       <a:srgbClr val="000000"/>
                     </a:solidFill>
@@ -12897,7 +12792,7 @@
               </a:ln>
               <a:extLst>
                 <a:ext uri="{91240B29-F687-4f45-9708-019B960494DF}">
-                  <a14:hiddenLine xmlns="" xmlns:a14="http://schemas.microsoft.com/office/drawing/2010/main" w="9525">
+                  <a14:hiddenLine xmlns:a14="http://schemas.microsoft.com/office/drawing/2010/main" xmlns="" w="9525">
                     <a:solidFill>
                       <a:srgbClr val="000000"/>
                     </a:solidFill>
@@ -12962,7 +12857,7 @@
               </a:ln>
               <a:extLst>
                 <a:ext uri="{91240B29-F687-4f45-9708-019B960494DF}">
-                  <a14:hiddenLine xmlns="" xmlns:a14="http://schemas.microsoft.com/office/drawing/2010/main" w="9525">
+                  <a14:hiddenLine xmlns:a14="http://schemas.microsoft.com/office/drawing/2010/main" xmlns="" w="9525">
                     <a:solidFill>
                       <a:srgbClr val="000000"/>
                     </a:solidFill>
@@ -13052,7 +12947,7 @@
               </a:ln>
               <a:extLst>
                 <a:ext uri="{91240B29-F687-4f45-9708-019B960494DF}">
-                  <a14:hiddenLine xmlns="" xmlns:a14="http://schemas.microsoft.com/office/drawing/2010/main" w="9525">
+                  <a14:hiddenLine xmlns:a14="http://schemas.microsoft.com/office/drawing/2010/main" xmlns="" w="9525">
                     <a:solidFill>
                       <a:srgbClr val="000000"/>
                     </a:solidFill>
@@ -13114,7 +13009,7 @@
               </a:ln>
               <a:extLst>
                 <a:ext uri="{91240B29-F687-4f45-9708-019B960494DF}">
-                  <a14:hiddenLine xmlns="" xmlns:a14="http://schemas.microsoft.com/office/drawing/2010/main" w="9525">
+                  <a14:hiddenLine xmlns:a14="http://schemas.microsoft.com/office/drawing/2010/main" xmlns="" w="9525">
                     <a:solidFill>
                       <a:srgbClr val="000000"/>
                     </a:solidFill>
@@ -13204,7 +13099,7 @@
               </a:ln>
               <a:extLst>
                 <a:ext uri="{91240B29-F687-4f45-9708-019B960494DF}">
-                  <a14:hiddenLine xmlns="" xmlns:a14="http://schemas.microsoft.com/office/drawing/2010/main" w="9525">
+                  <a14:hiddenLine xmlns:a14="http://schemas.microsoft.com/office/drawing/2010/main" xmlns="" w="9525">
                     <a:solidFill>
                       <a:srgbClr val="000000"/>
                     </a:solidFill>
@@ -13269,7 +13164,7 @@
               </a:ln>
               <a:extLst>
                 <a:ext uri="{91240B29-F687-4f45-9708-019B960494DF}">
-                  <a14:hiddenLine xmlns="" xmlns:a14="http://schemas.microsoft.com/office/drawing/2010/main" w="9525">
+                  <a14:hiddenLine xmlns:a14="http://schemas.microsoft.com/office/drawing/2010/main" xmlns="" w="9525">
                     <a:solidFill>
                       <a:srgbClr val="000000"/>
                     </a:solidFill>
@@ -13331,7 +13226,7 @@
               </a:ln>
               <a:extLst>
                 <a:ext uri="{91240B29-F687-4f45-9708-019B960494DF}">
-                  <a14:hiddenLine xmlns="" xmlns:a14="http://schemas.microsoft.com/office/drawing/2010/main" w="9525">
+                  <a14:hiddenLine xmlns:a14="http://schemas.microsoft.com/office/drawing/2010/main" xmlns="" w="9525">
                     <a:solidFill>
                       <a:srgbClr val="000000"/>
                     </a:solidFill>
@@ -13421,7 +13316,7 @@
               </a:ln>
               <a:extLst>
                 <a:ext uri="{91240B29-F687-4f45-9708-019B960494DF}">
-                  <a14:hiddenLine xmlns="" xmlns:a14="http://schemas.microsoft.com/office/drawing/2010/main" w="9525">
+                  <a14:hiddenLine xmlns:a14="http://schemas.microsoft.com/office/drawing/2010/main" xmlns="" w="9525">
                     <a:solidFill>
                       <a:srgbClr val="000000"/>
                     </a:solidFill>
@@ -13511,7 +13406,7 @@
               </a:ln>
               <a:extLst>
                 <a:ext uri="{91240B29-F687-4f45-9708-019B960494DF}">
-                  <a14:hiddenLine xmlns="" xmlns:a14="http://schemas.microsoft.com/office/drawing/2010/main" w="9525">
+                  <a14:hiddenLine xmlns:a14="http://schemas.microsoft.com/office/drawing/2010/main" xmlns="" w="9525">
                     <a:solidFill>
                       <a:srgbClr val="000000"/>
                     </a:solidFill>
@@ -13576,7 +13471,7 @@
               </a:ln>
               <a:extLst>
                 <a:ext uri="{91240B29-F687-4f45-9708-019B960494DF}">
-                  <a14:hiddenLine xmlns="" xmlns:a14="http://schemas.microsoft.com/office/drawing/2010/main" w="9525">
+                  <a14:hiddenLine xmlns:a14="http://schemas.microsoft.com/office/drawing/2010/main" xmlns="" w="9525">
                     <a:solidFill>
                       <a:srgbClr val="000000"/>
                     </a:solidFill>
@@ -13696,7 +13591,7 @@
               </a:ln>
               <a:extLst>
                 <a:ext uri="{91240B29-F687-4f45-9708-019B960494DF}">
-                  <a14:hiddenLine xmlns="" xmlns:a14="http://schemas.microsoft.com/office/drawing/2010/main" w="9525">
+                  <a14:hiddenLine xmlns:a14="http://schemas.microsoft.com/office/drawing/2010/main" xmlns="" w="9525">
                     <a:solidFill>
                       <a:srgbClr val="000000"/>
                     </a:solidFill>
@@ -13794,7 +13689,7 @@
               </a:ln>
               <a:extLst>
                 <a:ext uri="{91240B29-F687-4f45-9708-019B960494DF}">
-                  <a14:hiddenLine xmlns="" xmlns:a14="http://schemas.microsoft.com/office/drawing/2010/main" w="9525">
+                  <a14:hiddenLine xmlns:a14="http://schemas.microsoft.com/office/drawing/2010/main" xmlns="" w="9525">
                     <a:solidFill>
                       <a:srgbClr val="000000"/>
                     </a:solidFill>
@@ -13909,7 +13804,7 @@
               </a:ln>
               <a:extLst>
                 <a:ext uri="{91240B29-F687-4f45-9708-019B960494DF}">
-                  <a14:hiddenLine xmlns="" xmlns:a14="http://schemas.microsoft.com/office/drawing/2010/main" w="9525">
+                  <a14:hiddenLine xmlns:a14="http://schemas.microsoft.com/office/drawing/2010/main" xmlns="" w="9525">
                     <a:solidFill>
                       <a:srgbClr val="000000"/>
                     </a:solidFill>
@@ -13999,7 +13894,7 @@
               </a:ln>
               <a:extLst>
                 <a:ext uri="{91240B29-F687-4f45-9708-019B960494DF}">
-                  <a14:hiddenLine xmlns="" xmlns:a14="http://schemas.microsoft.com/office/drawing/2010/main" w="9525">
+                  <a14:hiddenLine xmlns:a14="http://schemas.microsoft.com/office/drawing/2010/main" xmlns="" w="9525">
                     <a:solidFill>
                       <a:srgbClr val="000000"/>
                     </a:solidFill>
@@ -14064,7 +13959,7 @@
               </a:ln>
               <a:extLst>
                 <a:ext uri="{91240B29-F687-4f45-9708-019B960494DF}">
-                  <a14:hiddenLine xmlns="" xmlns:a14="http://schemas.microsoft.com/office/drawing/2010/main" w="9525">
+                  <a14:hiddenLine xmlns:a14="http://schemas.microsoft.com/office/drawing/2010/main" xmlns="" w="9525">
                     <a:solidFill>
                       <a:srgbClr val="000000"/>
                     </a:solidFill>
@@ -14154,7 +14049,7 @@
               </a:ln>
               <a:extLst>
                 <a:ext uri="{91240B29-F687-4f45-9708-019B960494DF}">
-                  <a14:hiddenLine xmlns="" xmlns:a14="http://schemas.microsoft.com/office/drawing/2010/main" w="9525">
+                  <a14:hiddenLine xmlns:a14="http://schemas.microsoft.com/office/drawing/2010/main" xmlns="" w="9525">
                     <a:solidFill>
                       <a:srgbClr val="000000"/>
                     </a:solidFill>
@@ -14222,7 +14117,7 @@
               </a:ln>
               <a:extLst>
                 <a:ext uri="{91240B29-F687-4f45-9708-019B960494DF}">
-                  <a14:hiddenLine xmlns="" xmlns:a14="http://schemas.microsoft.com/office/drawing/2010/main" w="9525">
+                  <a14:hiddenLine xmlns:a14="http://schemas.microsoft.com/office/drawing/2010/main" xmlns="" w="9525">
                     <a:solidFill>
                       <a:srgbClr val="000000"/>
                     </a:solidFill>
@@ -14312,7 +14207,7 @@
               </a:ln>
               <a:extLst>
                 <a:ext uri="{91240B29-F687-4f45-9708-019B960494DF}">
-                  <a14:hiddenLine xmlns="" xmlns:a14="http://schemas.microsoft.com/office/drawing/2010/main" w="9525">
+                  <a14:hiddenLine xmlns:a14="http://schemas.microsoft.com/office/drawing/2010/main" xmlns="" w="9525">
                     <a:solidFill>
                       <a:srgbClr val="000000"/>
                     </a:solidFill>
@@ -14380,7 +14275,7 @@
               </a:ln>
               <a:extLst>
                 <a:ext uri="{91240B29-F687-4f45-9708-019B960494DF}">
-                  <a14:hiddenLine xmlns="" xmlns:a14="http://schemas.microsoft.com/office/drawing/2010/main" w="9525">
+                  <a14:hiddenLine xmlns:a14="http://schemas.microsoft.com/office/drawing/2010/main" xmlns="" w="9525">
                     <a:solidFill>
                       <a:srgbClr val="000000"/>
                     </a:solidFill>
@@ -14470,7 +14365,7 @@
               </a:ln>
               <a:extLst>
                 <a:ext uri="{91240B29-F687-4f45-9708-019B960494DF}">
-                  <a14:hiddenLine xmlns="" xmlns:a14="http://schemas.microsoft.com/office/drawing/2010/main" w="9525">
+                  <a14:hiddenLine xmlns:a14="http://schemas.microsoft.com/office/drawing/2010/main" xmlns="" w="9525">
                     <a:solidFill>
                       <a:srgbClr val="000000"/>
                     </a:solidFill>
@@ -14504,7 +14399,7 @@
               </a:ln>
               <a:extLst>
                 <a:ext uri="{91240B29-F687-4f45-9708-019B960494DF}">
-                  <a14:hiddenLine xmlns="" xmlns:a14="http://schemas.microsoft.com/office/drawing/2010/main" w="9525">
+                  <a14:hiddenLine xmlns:a14="http://schemas.microsoft.com/office/drawing/2010/main" xmlns="" w="9525">
                     <a:solidFill>
                       <a:srgbClr val="000000"/>
                     </a:solidFill>
@@ -14645,7 +14540,7 @@
             <a:fld id="{48A87A34-81AB-432B-8DAE-1953F412C126}" type="datetimeFigureOut">
               <a:rPr lang="en-US" dirty="0"/>
               <a:pPr/>
-              <a:t>6/3/2024</a:t>
+              <a:t>6/7/2024</a:t>
             </a:fld>
             <a:endParaRPr lang="en-US"/>
           </a:p>
@@ -15600,134 +15495,6 @@
       </p:grpSpPr>
       <p:sp>
         <p:nvSpPr>
-          <p:cNvPr id="2" name="Title 1">
-            <a:extLst>
-              <a:ext uri="{FF2B5EF4-FFF2-40B4-BE49-F238E27FC236}">
-                <a16:creationId xmlns:a16="http://schemas.microsoft.com/office/drawing/2014/main" id="{9C402F96-871F-3A30-67F8-1348B42E1DBF}"/>
-              </a:ext>
-            </a:extLst>
-          </p:cNvPr>
-          <p:cNvSpPr>
-            <a:spLocks noGrp="1"/>
-          </p:cNvSpPr>
-          <p:nvPr>
-            <p:ph type="title"/>
-          </p:nvPr>
-        </p:nvSpPr>
-        <p:spPr>
-          <a:xfrm>
-            <a:off x="974725" y="39081"/>
-            <a:ext cx="9905998" cy="732445"/>
-          </a:xfrm>
-        </p:spPr>
-        <p:txBody>
-          <a:bodyPr/>
-          <a:lstStyle/>
-          <a:p>
-            <a:r>
-              <a:rPr lang="en-US"/>
-              <a:t>Sprint1: </a:t>
-            </a:r>
-            <a:r>
-              <a:rPr lang="en-US">
-                <a:latin typeface="TW Cen MT"/>
-              </a:rPr>
-              <a:t>TEST PLAN </a:t>
-            </a:r>
-            <a:endParaRPr lang="en-US"/>
-          </a:p>
-        </p:txBody>
-      </p:sp>
-      <p:pic>
-        <p:nvPicPr>
-          <p:cNvPr id="5" name="Content Placeholder 4" descr="A screen shot of a computer program&#10;&#10;Description automatically generated">
-            <a:extLst>
-              <a:ext uri="{FF2B5EF4-FFF2-40B4-BE49-F238E27FC236}">
-                <a16:creationId xmlns:a16="http://schemas.microsoft.com/office/drawing/2014/main" id="{2337A40E-D854-E8E6-F206-962ED460608D}"/>
-              </a:ext>
-            </a:extLst>
-          </p:cNvPr>
-          <p:cNvPicPr>
-            <a:picLocks noGrp="1" noChangeAspect="1"/>
-          </p:cNvPicPr>
-          <p:nvPr>
-            <p:ph sz="half" idx="1"/>
-          </p:nvPr>
-        </p:nvPicPr>
-        <p:blipFill>
-          <a:blip r:embed="rId3"/>
-          <a:stretch>
-            <a:fillRect/>
-          </a:stretch>
-        </p:blipFill>
-        <p:spPr>
-          <a:xfrm>
-            <a:off x="717139" y="962818"/>
-            <a:ext cx="4695057" cy="5559425"/>
-          </a:xfrm>
-        </p:spPr>
-      </p:pic>
-      <p:pic>
-        <p:nvPicPr>
-          <p:cNvPr id="6" name="Content Placeholder 5" descr="A computer screen shot of text&#10;&#10;Description automatically generated">
-            <a:extLst>
-              <a:ext uri="{FF2B5EF4-FFF2-40B4-BE49-F238E27FC236}">
-                <a16:creationId xmlns:a16="http://schemas.microsoft.com/office/drawing/2014/main" id="{BF7E65B5-8877-80F9-F2CD-30EBDBF2A2A9}"/>
-              </a:ext>
-            </a:extLst>
-          </p:cNvPr>
-          <p:cNvPicPr>
-            <a:picLocks noGrp="1" noChangeAspect="1"/>
-          </p:cNvPicPr>
-          <p:nvPr>
-            <p:ph sz="half" idx="2"/>
-          </p:nvPr>
-        </p:nvPicPr>
-        <p:blipFill>
-          <a:blip r:embed="rId4"/>
-          <a:stretch>
-            <a:fillRect/>
-          </a:stretch>
-        </p:blipFill>
-        <p:spPr>
-          <a:xfrm>
-            <a:off x="5744367" y="2160803"/>
-            <a:ext cx="6381750" cy="4020705"/>
-          </a:xfrm>
-        </p:spPr>
-      </p:pic>
-    </p:spTree>
-    <p:extLst>
-      <p:ext uri="{BB962C8B-B14F-4D97-AF65-F5344CB8AC3E}">
-        <p14:creationId xmlns:p14="http://schemas.microsoft.com/office/powerpoint/2010/main" val="1288316742"/>
-      </p:ext>
-    </p:extLst>
-  </p:cSld>
-  <p:clrMapOvr>
-    <a:masterClrMapping/>
-  </p:clrMapOvr>
-</p:sld>
-</file>
-
-<file path=ppt/slides/slide6.xml><?xml version="1.0" encoding="utf-8"?>
-<p:sld xmlns:a="http://schemas.openxmlformats.org/drawingml/2006/main" xmlns:r="http://schemas.openxmlformats.org/officeDocument/2006/relationships" xmlns:p="http://schemas.openxmlformats.org/presentationml/2006/main">
-  <p:cSld>
-    <p:spTree>
-      <p:nvGrpSpPr>
-        <p:cNvPr id="1" name=""/>
-        <p:cNvGrpSpPr/>
-        <p:nvPr/>
-      </p:nvGrpSpPr>
-      <p:grpSpPr>
-        <a:xfrm>
-          <a:off x="0" y="0"/>
-          <a:ext cx="0" cy="0"/>
-          <a:chOff x="0" y="0"/>
-          <a:chExt cx="0" cy="0"/>
-        </a:xfrm>
-      </p:grpSpPr>
-      <p:sp>
-        <p:nvSpPr>
           <p:cNvPr id="2" name="Titolo 1">
             <a:extLst>
               <a:ext uri="{FF2B5EF4-FFF2-40B4-BE49-F238E27FC236}">
@@ -15801,7 +15568,7 @@
 </p:sld>
 </file>
 
-<file path=ppt/slides/slide7.xml><?xml version="1.0" encoding="utf-8"?>
+<file path=ppt/slides/slide6.xml><?xml version="1.0" encoding="utf-8"?>
 <p:sld xmlns:a="http://schemas.openxmlformats.org/drawingml/2006/main" xmlns:r="http://schemas.openxmlformats.org/officeDocument/2006/relationships" xmlns:p="http://schemas.openxmlformats.org/presentationml/2006/main">
   <p:cSld>
     <p:spTree>
@@ -15886,6 +15653,160 @@
     <p:extLst>
       <p:ext uri="{BB962C8B-B14F-4D97-AF65-F5344CB8AC3E}">
         <p14:creationId xmlns:p14="http://schemas.microsoft.com/office/powerpoint/2010/main" val="2966669713"/>
+      </p:ext>
+    </p:extLst>
+  </p:cSld>
+  <p:clrMapOvr>
+    <a:masterClrMapping/>
+  </p:clrMapOvr>
+</p:sld>
+</file>
+
+<file path=ppt/slides/slide7.xml><?xml version="1.0" encoding="utf-8"?>
+<p:sld xmlns:a="http://schemas.openxmlformats.org/drawingml/2006/main" xmlns:r="http://schemas.openxmlformats.org/officeDocument/2006/relationships" xmlns:p="http://schemas.openxmlformats.org/presentationml/2006/main">
+  <p:cSld>
+    <p:spTree>
+      <p:nvGrpSpPr>
+        <p:cNvPr id="1" name=""/>
+        <p:cNvGrpSpPr/>
+        <p:nvPr/>
+      </p:nvGrpSpPr>
+      <p:grpSpPr>
+        <a:xfrm>
+          <a:off x="0" y="0"/>
+          <a:ext cx="0" cy="0"/>
+          <a:chOff x="0" y="0"/>
+          <a:chExt cx="0" cy="0"/>
+        </a:xfrm>
+      </p:grpSpPr>
+      <p:sp>
+        <p:nvSpPr>
+          <p:cNvPr id="2" name="Titolo 1">
+            <a:extLst>
+              <a:ext uri="{FF2B5EF4-FFF2-40B4-BE49-F238E27FC236}">
+                <a16:creationId xmlns:a16="http://schemas.microsoft.com/office/drawing/2014/main" id="{2FC8BA8A-7947-4A08-BEE6-8F825B84F04D}"/>
+              </a:ext>
+            </a:extLst>
+          </p:cNvPr>
+          <p:cNvSpPr>
+            <a:spLocks noGrp="1"/>
+          </p:cNvSpPr>
+          <p:nvPr>
+            <p:ph type="title"/>
+          </p:nvPr>
+        </p:nvSpPr>
+        <p:spPr>
+          <a:xfrm>
+            <a:off x="1049973" y="13955"/>
+            <a:ext cx="9905998" cy="629920"/>
+          </a:xfrm>
+        </p:spPr>
+        <p:txBody>
+          <a:bodyPr>
+            <a:normAutofit/>
+          </a:bodyPr>
+          <a:lstStyle/>
+          <a:p>
+            <a:r>
+              <a:rPr lang="it-IT" dirty="0"/>
+              <a:t>SPRINT3: TEST PLAN</a:t>
+            </a:r>
+          </a:p>
+        </p:txBody>
+      </p:sp>
+      <p:pic>
+        <p:nvPicPr>
+          <p:cNvPr id="5" name="Segnaposto contenuto 4">
+            <a:extLst>
+              <a:ext uri="{FF2B5EF4-FFF2-40B4-BE49-F238E27FC236}">
+                <a16:creationId xmlns:a16="http://schemas.microsoft.com/office/drawing/2014/main" id="{E1AA5C36-615D-4F26-ADBF-6393F74F1ED4}"/>
+              </a:ext>
+            </a:extLst>
+          </p:cNvPr>
+          <p:cNvPicPr>
+            <a:picLocks noGrp="1" noChangeAspect="1"/>
+          </p:cNvPicPr>
+          <p:nvPr>
+            <p:ph idx="1"/>
+          </p:nvPr>
+        </p:nvPicPr>
+        <p:blipFill>
+          <a:blip r:embed="rId2"/>
+          <a:stretch>
+            <a:fillRect/>
+          </a:stretch>
+        </p:blipFill>
+        <p:spPr>
+          <a:xfrm>
+            <a:off x="2039476" y="5514492"/>
+            <a:ext cx="8109872" cy="1162136"/>
+          </a:xfrm>
+        </p:spPr>
+      </p:pic>
+      <p:pic>
+        <p:nvPicPr>
+          <p:cNvPr id="7" name="Immagine 6">
+            <a:extLst>
+              <a:ext uri="{FF2B5EF4-FFF2-40B4-BE49-F238E27FC236}">
+                <a16:creationId xmlns:a16="http://schemas.microsoft.com/office/drawing/2014/main" id="{E9085C96-5312-4EA4-B23A-D658B9FBC1AE}"/>
+              </a:ext>
+            </a:extLst>
+          </p:cNvPr>
+          <p:cNvPicPr>
+            <a:picLocks noChangeAspect="1"/>
+          </p:cNvPicPr>
+          <p:nvPr/>
+        </p:nvPicPr>
+        <p:blipFill>
+          <a:blip r:embed="rId3"/>
+          <a:stretch>
+            <a:fillRect/>
+          </a:stretch>
+        </p:blipFill>
+        <p:spPr>
+          <a:xfrm>
+            <a:off x="483556" y="643875"/>
+            <a:ext cx="5009334" cy="4435120"/>
+          </a:xfrm>
+          <a:prstGeom prst="rect">
+            <a:avLst/>
+          </a:prstGeom>
+        </p:spPr>
+      </p:pic>
+      <p:pic>
+        <p:nvPicPr>
+          <p:cNvPr id="9" name="Immagine 8">
+            <a:extLst>
+              <a:ext uri="{FF2B5EF4-FFF2-40B4-BE49-F238E27FC236}">
+                <a16:creationId xmlns:a16="http://schemas.microsoft.com/office/drawing/2014/main" id="{08B20EED-B309-4575-838C-F3682921C200}"/>
+              </a:ext>
+            </a:extLst>
+          </p:cNvPr>
+          <p:cNvPicPr>
+            <a:picLocks noChangeAspect="1"/>
+          </p:cNvPicPr>
+          <p:nvPr/>
+        </p:nvPicPr>
+        <p:blipFill>
+          <a:blip r:embed="rId4"/>
+          <a:stretch>
+            <a:fillRect/>
+          </a:stretch>
+        </p:blipFill>
+        <p:spPr>
+          <a:xfrm>
+            <a:off x="6699112" y="618518"/>
+            <a:ext cx="4835892" cy="4699350"/>
+          </a:xfrm>
+          <a:prstGeom prst="rect">
+            <a:avLst/>
+          </a:prstGeom>
+        </p:spPr>
+      </p:pic>
+    </p:spTree>
+    <p:extLst>
+      <p:ext uri="{BB962C8B-B14F-4D97-AF65-F5344CB8AC3E}">
+        <p14:creationId xmlns:p14="http://schemas.microsoft.com/office/powerpoint/2010/main" val="3289323620"/>
       </p:ext>
     </p:extLst>
   </p:cSld>
